--- a/old/apcsa_4_2.pptx
+++ b/old/apcsa_4_2.pptx
@@ -69,10 +69,10 @@
         </a:solidFill>
         <a:effectLst/>
         <a:uFillTx/>
-        <a:latin typeface="+mj-lt"/>
-        <a:ea typeface="+mj-ea"/>
-        <a:cs typeface="+mj-cs"/>
-        <a:sym typeface="Helvetica"/>
+        <a:latin typeface="+mn-lt"/>
+        <a:ea typeface="+mn-ea"/>
+        <a:cs typeface="+mn-cs"/>
+        <a:sym typeface="Arial"/>
       </a:defRPr>
     </a:lvl1pPr>
     <a:lvl2pPr marL="0" marR="0" indent="0" algn="l" defTabSz="914400" rtl="0" fontAlgn="auto" latinLnBrk="0" hangingPunct="0">
@@ -99,10 +99,10 @@
         </a:solidFill>
         <a:effectLst/>
         <a:uFillTx/>
-        <a:latin typeface="+mj-lt"/>
-        <a:ea typeface="+mj-ea"/>
-        <a:cs typeface="+mj-cs"/>
-        <a:sym typeface="Helvetica"/>
+        <a:latin typeface="+mn-lt"/>
+        <a:ea typeface="+mn-ea"/>
+        <a:cs typeface="+mn-cs"/>
+        <a:sym typeface="Arial"/>
       </a:defRPr>
     </a:lvl2pPr>
     <a:lvl3pPr marL="0" marR="0" indent="0" algn="l" defTabSz="914400" rtl="0" fontAlgn="auto" latinLnBrk="0" hangingPunct="0">
@@ -129,10 +129,10 @@
         </a:solidFill>
         <a:effectLst/>
         <a:uFillTx/>
-        <a:latin typeface="+mj-lt"/>
-        <a:ea typeface="+mj-ea"/>
-        <a:cs typeface="+mj-cs"/>
-        <a:sym typeface="Helvetica"/>
+        <a:latin typeface="+mn-lt"/>
+        <a:ea typeface="+mn-ea"/>
+        <a:cs typeface="+mn-cs"/>
+        <a:sym typeface="Arial"/>
       </a:defRPr>
     </a:lvl3pPr>
     <a:lvl4pPr marL="0" marR="0" indent="0" algn="l" defTabSz="914400" rtl="0" fontAlgn="auto" latinLnBrk="0" hangingPunct="0">
@@ -159,10 +159,10 @@
         </a:solidFill>
         <a:effectLst/>
         <a:uFillTx/>
-        <a:latin typeface="+mj-lt"/>
-        <a:ea typeface="+mj-ea"/>
-        <a:cs typeface="+mj-cs"/>
-        <a:sym typeface="Helvetica"/>
+        <a:latin typeface="+mn-lt"/>
+        <a:ea typeface="+mn-ea"/>
+        <a:cs typeface="+mn-cs"/>
+        <a:sym typeface="Arial"/>
       </a:defRPr>
     </a:lvl4pPr>
     <a:lvl5pPr marL="0" marR="0" indent="0" algn="l" defTabSz="914400" rtl="0" fontAlgn="auto" latinLnBrk="0" hangingPunct="0">
@@ -189,10 +189,10 @@
         </a:solidFill>
         <a:effectLst/>
         <a:uFillTx/>
-        <a:latin typeface="+mj-lt"/>
-        <a:ea typeface="+mj-ea"/>
-        <a:cs typeface="+mj-cs"/>
-        <a:sym typeface="Helvetica"/>
+        <a:latin typeface="+mn-lt"/>
+        <a:ea typeface="+mn-ea"/>
+        <a:cs typeface="+mn-cs"/>
+        <a:sym typeface="Arial"/>
       </a:defRPr>
     </a:lvl5pPr>
     <a:lvl6pPr marL="0" marR="0" indent="0" algn="l" defTabSz="914400" rtl="0" fontAlgn="auto" latinLnBrk="0" hangingPunct="0">
@@ -219,10 +219,10 @@
         </a:solidFill>
         <a:effectLst/>
         <a:uFillTx/>
-        <a:latin typeface="+mj-lt"/>
-        <a:ea typeface="+mj-ea"/>
-        <a:cs typeface="+mj-cs"/>
-        <a:sym typeface="Helvetica"/>
+        <a:latin typeface="+mn-lt"/>
+        <a:ea typeface="+mn-ea"/>
+        <a:cs typeface="+mn-cs"/>
+        <a:sym typeface="Arial"/>
       </a:defRPr>
     </a:lvl6pPr>
     <a:lvl7pPr marL="0" marR="0" indent="0" algn="l" defTabSz="914400" rtl="0" fontAlgn="auto" latinLnBrk="0" hangingPunct="0">
@@ -249,10 +249,10 @@
         </a:solidFill>
         <a:effectLst/>
         <a:uFillTx/>
-        <a:latin typeface="+mj-lt"/>
-        <a:ea typeface="+mj-ea"/>
-        <a:cs typeface="+mj-cs"/>
-        <a:sym typeface="Helvetica"/>
+        <a:latin typeface="+mn-lt"/>
+        <a:ea typeface="+mn-ea"/>
+        <a:cs typeface="+mn-cs"/>
+        <a:sym typeface="Arial"/>
       </a:defRPr>
     </a:lvl7pPr>
     <a:lvl8pPr marL="0" marR="0" indent="0" algn="l" defTabSz="914400" rtl="0" fontAlgn="auto" latinLnBrk="0" hangingPunct="0">
@@ -279,10 +279,10 @@
         </a:solidFill>
         <a:effectLst/>
         <a:uFillTx/>
-        <a:latin typeface="+mj-lt"/>
-        <a:ea typeface="+mj-ea"/>
-        <a:cs typeface="+mj-cs"/>
-        <a:sym typeface="Helvetica"/>
+        <a:latin typeface="+mn-lt"/>
+        <a:ea typeface="+mn-ea"/>
+        <a:cs typeface="+mn-cs"/>
+        <a:sym typeface="Arial"/>
       </a:defRPr>
     </a:lvl8pPr>
     <a:lvl9pPr marL="0" marR="0" indent="0" algn="l" defTabSz="914400" rtl="0" fontAlgn="auto" latinLnBrk="0" hangingPunct="0">
@@ -309,10 +309,10 @@
         </a:solidFill>
         <a:effectLst/>
         <a:uFillTx/>
-        <a:latin typeface="+mj-lt"/>
-        <a:ea typeface="+mj-ea"/>
-        <a:cs typeface="+mj-cs"/>
-        <a:sym typeface="Helvetica"/>
+        <a:latin typeface="+mn-lt"/>
+        <a:ea typeface="+mn-ea"/>
+        <a:cs typeface="+mn-cs"/>
+        <a:sym typeface="Arial"/>
       </a:defRPr>
     </a:lvl9pPr>
   </p:defaultTextStyle>
@@ -858,9 +858,6 @@
           <a:p>
             <a:pPr/>
           </a:p>
-          <a:p>
-            <a:pPr/>
-          </a:p>
         </p:txBody>
       </p:sp>
     </p:spTree>
@@ -969,7 +966,7 @@
       </p:grpSpPr>
       <p:sp>
         <p:nvSpPr>
-          <p:cNvPr id="221" name="Shape 221"/>
+          <p:cNvPr id="223" name="Shape 223"/>
           <p:cNvSpPr/>
           <p:nvPr>
             <p:ph type="sldImg"/>
@@ -990,7 +987,7 @@
       </p:sp>
       <p:sp>
         <p:nvSpPr>
-          <p:cNvPr id="222" name="Shape 222"/>
+          <p:cNvPr id="224" name="Shape 224"/>
           <p:cNvSpPr/>
           <p:nvPr>
             <p:ph type="body" sz="quarter" idx="1"/>
@@ -1106,7 +1103,7 @@
         <p:spPr>
           <a:xfrm>
             <a:off x="2477722" y="415650"/>
-            <a:ext cx="6244203" cy="1"/>
+            <a:ext cx="6244204" cy="2"/>
           </a:xfrm>
           <a:prstGeom prst="line">
             <a:avLst/>
@@ -1134,7 +1131,7 @@
         <p:spPr>
           <a:xfrm>
             <a:off x="2477722" y="4739999"/>
-            <a:ext cx="6244203" cy="1"/>
+            <a:ext cx="6244204" cy="2"/>
           </a:xfrm>
           <a:prstGeom prst="line">
             <a:avLst/>
@@ -1162,7 +1159,7 @@
         <p:spPr>
           <a:xfrm>
             <a:off x="425197" y="415650"/>
-            <a:ext cx="183302" cy="1"/>
+            <a:ext cx="183303" cy="2"/>
           </a:xfrm>
           <a:prstGeom prst="line">
             <a:avLst/>
@@ -1241,7 +1238,7 @@
         <p:txBody>
           <a:bodyPr anchor="b"/>
           <a:lstStyle>
-            <a:lvl1pPr marL="228600" indent="-114300" algn="l">
+            <a:lvl1pPr marL="114300" indent="0" algn="l">
               <a:lnSpc>
                 <a:spcPct val="100000"/>
               </a:lnSpc>
@@ -1255,7 +1252,7 @@
                 </a:solidFill>
               </a:defRPr>
             </a:lvl1pPr>
-            <a:lvl2pPr marL="228600" indent="114300" algn="l">
+            <a:lvl2pPr marL="114300" indent="114300" algn="l">
               <a:lnSpc>
                 <a:spcPct val="100000"/>
               </a:lnSpc>
@@ -1269,7 +1266,7 @@
                 </a:solidFill>
               </a:defRPr>
             </a:lvl2pPr>
-            <a:lvl3pPr marL="228600" indent="114300" algn="l">
+            <a:lvl3pPr marL="114300" indent="114300" algn="l">
               <a:lnSpc>
                 <a:spcPct val="100000"/>
               </a:lnSpc>
@@ -1283,7 +1280,7 @@
                 </a:solidFill>
               </a:defRPr>
             </a:lvl3pPr>
-            <a:lvl4pPr marL="228600" indent="114300" algn="l">
+            <a:lvl4pPr marL="114300" indent="114300" algn="l">
               <a:lnSpc>
                 <a:spcPct val="100000"/>
               </a:lnSpc>
@@ -1297,7 +1294,7 @@
                 </a:solidFill>
               </a:defRPr>
             </a:lvl4pPr>
-            <a:lvl5pPr marL="228600" indent="114300" algn="l">
+            <a:lvl5pPr marL="114300" indent="114300" algn="l">
               <a:lnSpc>
                 <a:spcPct val="100000"/>
               </a:lnSpc>
@@ -1664,7 +1661,7 @@
         <p:spPr>
           <a:xfrm>
             <a:off x="2477722" y="415650"/>
-            <a:ext cx="6244203" cy="1"/>
+            <a:ext cx="6244204" cy="2"/>
           </a:xfrm>
           <a:prstGeom prst="line">
             <a:avLst/>
@@ -1679,14 +1676,7 @@
           <a:bodyPr lIns="45718" tIns="45718" rIns="45718" bIns="45718"/>
           <a:lstStyle/>
           <a:p>
-            <a:pPr>
-              <a:defRPr>
-                <a:latin typeface="+mn-lt"/>
-                <a:ea typeface="+mn-ea"/>
-                <a:cs typeface="+mn-cs"/>
-                <a:sym typeface="Arial"/>
-              </a:defRPr>
-            </a:pPr>
+            <a:pPr/>
           </a:p>
         </p:txBody>
       </p:sp>
@@ -1699,7 +1689,7 @@
         <p:spPr>
           <a:xfrm>
             <a:off x="2477722" y="4739999"/>
-            <a:ext cx="6244203" cy="1"/>
+            <a:ext cx="6244204" cy="2"/>
           </a:xfrm>
           <a:prstGeom prst="line">
             <a:avLst/>
@@ -1714,14 +1704,7 @@
           <a:bodyPr lIns="45718" tIns="45718" rIns="45718" bIns="45718"/>
           <a:lstStyle/>
           <a:p>
-            <a:pPr>
-              <a:defRPr>
-                <a:latin typeface="+mn-lt"/>
-                <a:ea typeface="+mn-ea"/>
-                <a:cs typeface="+mn-cs"/>
-                <a:sym typeface="Arial"/>
-              </a:defRPr>
-            </a:pPr>
+            <a:pPr/>
           </a:p>
         </p:txBody>
       </p:sp>
@@ -1734,7 +1717,7 @@
         <p:spPr>
           <a:xfrm>
             <a:off x="425197" y="415650"/>
-            <a:ext cx="183303" cy="1"/>
+            <a:ext cx="183304" cy="2"/>
           </a:xfrm>
           <a:prstGeom prst="line">
             <a:avLst/>
@@ -1749,14 +1732,7 @@
           <a:bodyPr lIns="45718" tIns="45718" rIns="45718" bIns="45718"/>
           <a:lstStyle/>
           <a:p>
-            <a:pPr>
-              <a:defRPr>
-                <a:latin typeface="+mn-lt"/>
-                <a:ea typeface="+mn-ea"/>
-                <a:cs typeface="+mn-cs"/>
-                <a:sym typeface="Arial"/>
-              </a:defRPr>
-            </a:pPr>
+            <a:pPr/>
           </a:p>
         </p:txBody>
       </p:sp>
@@ -1778,7 +1754,7 @@
           </a:prstGeom>
         </p:spPr>
         <p:txBody>
-          <a:bodyPr lIns="91422" tIns="91422" rIns="91422" bIns="91422" anchor="t"/>
+          <a:bodyPr lIns="91421" tIns="91421" rIns="91421" bIns="91421" anchor="t"/>
           <a:lstStyle>
             <a:lvl1pPr algn="l">
               <a:defRPr sz="3000">
@@ -1811,17 +1787,17 @@
         <p:spPr>
           <a:xfrm>
             <a:off x="2410111" y="1595776"/>
-            <a:ext cx="6321603" cy="3002403"/>
+            <a:ext cx="6321603" cy="3002404"/>
           </a:xfrm>
           <a:prstGeom prst="rect">
             <a:avLst/>
           </a:prstGeom>
         </p:spPr>
         <p:txBody>
-          <a:bodyPr lIns="91422" tIns="91422" rIns="91422" bIns="91422"/>
+          <a:bodyPr lIns="91421" tIns="91421" rIns="91421" bIns="91421"/>
           <a:lstStyle>
             <a:lvl1pPr algn="l"/>
-            <a:lvl2pPr indent="-408213" algn="l"/>
+            <a:lvl2pPr algn="l"/>
             <a:lvl3pPr algn="l"/>
             <a:lvl4pPr algn="l"/>
             <a:lvl5pPr algn="l"/>
@@ -1867,7 +1843,7 @@
         <p:spPr>
           <a:xfrm>
             <a:off x="169150" y="4739999"/>
-            <a:ext cx="8552700" cy="398747"/>
+            <a:ext cx="8552700" cy="398745"/>
           </a:xfrm>
           <a:prstGeom prst="rect">
             <a:avLst/>
@@ -1882,7 +1858,7 @@
           </a:extLst>
         </p:spPr>
         <p:txBody>
-          <a:bodyPr lIns="91422" tIns="91422" rIns="91422" bIns="91422">
+          <a:bodyPr lIns="91421" tIns="91421" rIns="91421" bIns="91421">
             <a:spAutoFit/>
           </a:bodyPr>
           <a:lstStyle/>
@@ -1923,8 +1899,8 @@
         </p:nvSpPr>
         <p:spPr>
           <a:xfrm>
-            <a:off x="7263947" y="6563"/>
-            <a:ext cx="5621103" cy="398747"/>
+            <a:off x="7263947" y="6562"/>
+            <a:ext cx="5621104" cy="398745"/>
           </a:xfrm>
           <a:prstGeom prst="rect">
             <a:avLst/>
@@ -1939,7 +1915,7 @@
           </a:extLst>
         </p:spPr>
         <p:txBody>
-          <a:bodyPr lIns="91422" tIns="91422" rIns="91422" bIns="91422">
+          <a:bodyPr lIns="91421" tIns="91421" rIns="91421" bIns="91421">
             <a:spAutoFit/>
           </a:bodyPr>
           <a:lstStyle>
@@ -1973,15 +1949,15 @@
         </p:nvSpPr>
         <p:spPr>
           <a:xfrm>
-            <a:off x="8709890" y="4717936"/>
-            <a:ext cx="336809" cy="335247"/>
+            <a:off x="8709892" y="4717937"/>
+            <a:ext cx="336808" cy="335245"/>
           </a:xfrm>
           <a:prstGeom prst="rect">
             <a:avLst/>
           </a:prstGeom>
         </p:spPr>
         <p:txBody>
-          <a:bodyPr lIns="91422" tIns="91422" rIns="91422" bIns="91422"/>
+          <a:bodyPr lIns="91421" tIns="91421" rIns="91421" bIns="91421"/>
           <a:lstStyle/>
           <a:p>
             <a:pPr/>
@@ -2052,8 +2028,8 @@
         </p:nvSpPr>
         <p:spPr>
           <a:xfrm>
-            <a:off x="2477722" y="415649"/>
-            <a:ext cx="6244203" cy="4"/>
+            <a:off x="2477722" y="415648"/>
+            <a:ext cx="6244204" cy="5"/>
           </a:xfrm>
           <a:prstGeom prst="line">
             <a:avLst/>
@@ -2068,14 +2044,7 @@
           <a:bodyPr lIns="45718" tIns="45718" rIns="45718" bIns="45718"/>
           <a:lstStyle/>
           <a:p>
-            <a:pPr>
-              <a:defRPr>
-                <a:latin typeface="+mn-lt"/>
-                <a:ea typeface="+mn-ea"/>
-                <a:cs typeface="+mn-cs"/>
-                <a:sym typeface="Arial"/>
-              </a:defRPr>
-            </a:pPr>
+            <a:pPr/>
           </a:p>
         </p:txBody>
       </p:sp>
@@ -2087,8 +2056,8 @@
         </p:nvSpPr>
         <p:spPr>
           <a:xfrm>
-            <a:off x="2477722" y="4739998"/>
-            <a:ext cx="6244203" cy="4"/>
+            <a:off x="2477722" y="4739997"/>
+            <a:ext cx="6244204" cy="5"/>
           </a:xfrm>
           <a:prstGeom prst="line">
             <a:avLst/>
@@ -2103,14 +2072,7 @@
           <a:bodyPr lIns="45718" tIns="45718" rIns="45718" bIns="45718"/>
           <a:lstStyle/>
           <a:p>
-            <a:pPr>
-              <a:defRPr>
-                <a:latin typeface="+mn-lt"/>
-                <a:ea typeface="+mn-ea"/>
-                <a:cs typeface="+mn-cs"/>
-                <a:sym typeface="Arial"/>
-              </a:defRPr>
-            </a:pPr>
+            <a:pPr/>
           </a:p>
         </p:txBody>
       </p:sp>
@@ -2123,7 +2085,7 @@
         <p:spPr>
           <a:xfrm>
             <a:off x="425197" y="415650"/>
-            <a:ext cx="183304" cy="4"/>
+            <a:ext cx="183305" cy="5"/>
           </a:xfrm>
           <a:prstGeom prst="line">
             <a:avLst/>
@@ -2138,14 +2100,7 @@
           <a:bodyPr lIns="45718" tIns="45718" rIns="45718" bIns="45718"/>
           <a:lstStyle/>
           <a:p>
-            <a:pPr>
-              <a:defRPr>
-                <a:latin typeface="+mn-lt"/>
-                <a:ea typeface="+mn-ea"/>
-                <a:cs typeface="+mn-cs"/>
-                <a:sym typeface="Arial"/>
-              </a:defRPr>
-            </a:pPr>
+            <a:pPr/>
           </a:p>
         </p:txBody>
       </p:sp>
@@ -2210,7 +2165,7 @@
           <a:bodyPr lIns="91421" tIns="91421" rIns="91421" bIns="91421"/>
           <a:lstStyle>
             <a:lvl1pPr algn="l"/>
-            <a:lvl2pPr indent="-408213" algn="l"/>
+            <a:lvl2pPr algn="l"/>
             <a:lvl3pPr algn="l"/>
             <a:lvl4pPr algn="l"/>
             <a:lvl5pPr algn="l"/>
@@ -2274,7 +2229,16 @@
           <a:bodyPr wrap="none" lIns="0" tIns="0" rIns="0" bIns="0">
             <a:spAutoFit/>
           </a:bodyPr>
-          <a:lstStyle/>
+          <a:lstStyle>
+            <a:lvl1pPr>
+              <a:defRPr>
+                <a:latin typeface="+mj-lt"/>
+                <a:ea typeface="+mj-ea"/>
+                <a:cs typeface="+mj-cs"/>
+                <a:sym typeface="Helvetica"/>
+              </a:defRPr>
+            </a:lvl1pPr>
+          </a:lstStyle>
           <a:p>
             <a:pPr/>
             <a:r>
@@ -2293,8 +2257,8 @@
         </p:nvSpPr>
         <p:spPr>
           <a:xfrm>
-            <a:off x="8709893" y="4717937"/>
-            <a:ext cx="336807" cy="335245"/>
+            <a:off x="8709895" y="4717938"/>
+            <a:ext cx="336806" cy="335243"/>
           </a:xfrm>
           <a:prstGeom prst="rect">
             <a:avLst/>
@@ -2373,7 +2337,7 @@
         <p:spPr>
           <a:xfrm>
             <a:off x="2477722" y="415650"/>
-            <a:ext cx="6244203" cy="1"/>
+            <a:ext cx="6244204" cy="2"/>
           </a:xfrm>
           <a:prstGeom prst="line">
             <a:avLst/>
@@ -2401,7 +2365,7 @@
         <p:spPr>
           <a:xfrm>
             <a:off x="2477722" y="4739999"/>
-            <a:ext cx="6244203" cy="1"/>
+            <a:ext cx="6244204" cy="2"/>
           </a:xfrm>
           <a:prstGeom prst="line">
             <a:avLst/>
@@ -2429,7 +2393,7 @@
         <p:spPr>
           <a:xfrm>
             <a:off x="425197" y="415650"/>
-            <a:ext cx="183302" cy="1"/>
+            <a:ext cx="183303" cy="2"/>
           </a:xfrm>
           <a:prstGeom prst="line">
             <a:avLst/>
@@ -2459,7 +2423,7 @@
         <p:spPr>
           <a:xfrm>
             <a:off x="2400250" y="575950"/>
-            <a:ext cx="6321601" cy="635402"/>
+            <a:ext cx="6321601" cy="635403"/>
           </a:xfrm>
           <a:prstGeom prst="rect">
             <a:avLst/>
@@ -2499,7 +2463,7 @@
         <p:spPr>
           <a:xfrm>
             <a:off x="2410111" y="1595776"/>
-            <a:ext cx="6321603" cy="3002402"/>
+            <a:ext cx="6321603" cy="3002403"/>
           </a:xfrm>
           <a:prstGeom prst="rect">
             <a:avLst/>
@@ -2554,8 +2518,8 @@
         </p:nvSpPr>
         <p:spPr>
           <a:xfrm>
-            <a:off x="159380" y="4629606"/>
-            <a:ext cx="8552701" cy="398749"/>
+            <a:off x="159379" y="4629606"/>
+            <a:ext cx="8552703" cy="398747"/>
           </a:xfrm>
           <a:prstGeom prst="rect">
             <a:avLst/>
@@ -2570,7 +2534,7 @@
           </a:extLst>
         </p:spPr>
         <p:txBody>
-          <a:bodyPr lIns="91423" tIns="91423" rIns="91423" bIns="91423">
+          <a:bodyPr lIns="91422" tIns="91422" rIns="91422" bIns="91422">
             <a:spAutoFit/>
           </a:bodyPr>
           <a:lstStyle/>
@@ -2591,17 +2555,10 @@
             </a:r>
             <a:r>
               <a:rPr b="0"/>
-              <a:t>AP CS A</a:t>
-            </a:r>
-            <a:r>
-              <a:rPr b="0"/>
-              <a:t> </a:t>
-            </a:r>
-            <a:r>
-              <a:t>g</a:t>
-            </a:r>
-            <a:r>
-              <a:t>oal: </a:t>
+              <a:t>AP CS A </a:t>
+            </a:r>
+            <a:r>
+              <a:t>goal: </a:t>
             </a:r>
             <a:r>
               <a:rPr b="0"/>
@@ -2619,7 +2576,7 @@
         <p:spPr>
           <a:xfrm>
             <a:off x="7263947" y="6563"/>
-            <a:ext cx="5621102" cy="398748"/>
+            <a:ext cx="5621103" cy="398746"/>
           </a:xfrm>
           <a:prstGeom prst="rect">
             <a:avLst/>
@@ -2634,7 +2591,7 @@
           </a:extLst>
         </p:spPr>
         <p:txBody>
-          <a:bodyPr lIns="91423" tIns="91423" rIns="91423" bIns="91423">
+          <a:bodyPr lIns="91422" tIns="91422" rIns="91422" bIns="91422">
             <a:spAutoFit/>
           </a:bodyPr>
           <a:lstStyle>
@@ -2751,7 +2708,7 @@
         <p:spPr>
           <a:xfrm>
             <a:off x="425200" y="415650"/>
-            <a:ext cx="8296800" cy="1"/>
+            <a:ext cx="8296801" cy="2"/>
           </a:xfrm>
           <a:prstGeom prst="line">
             <a:avLst/>
@@ -2779,7 +2736,7 @@
         <p:spPr>
           <a:xfrm>
             <a:off x="425200" y="4739999"/>
-            <a:ext cx="8296800" cy="1"/>
+            <a:ext cx="8296801" cy="2"/>
           </a:xfrm>
           <a:prstGeom prst="line">
             <a:avLst/>
@@ -2809,7 +2766,7 @@
         <p:spPr>
           <a:xfrm>
             <a:off x="406423" y="1806824"/>
-            <a:ext cx="8296803" cy="1542002"/>
+            <a:ext cx="8296803" cy="1542003"/>
           </a:xfrm>
           <a:prstGeom prst="rect">
             <a:avLst/>
@@ -2932,7 +2889,7 @@
         <p:spPr>
           <a:xfrm>
             <a:off x="2477722" y="415650"/>
-            <a:ext cx="6244203" cy="1"/>
+            <a:ext cx="6244204" cy="2"/>
           </a:xfrm>
           <a:prstGeom prst="line">
             <a:avLst/>
@@ -2960,7 +2917,7 @@
         <p:spPr>
           <a:xfrm>
             <a:off x="2477722" y="4739999"/>
-            <a:ext cx="6244203" cy="1"/>
+            <a:ext cx="6244204" cy="2"/>
           </a:xfrm>
           <a:prstGeom prst="line">
             <a:avLst/>
@@ -2988,7 +2945,7 @@
         <p:spPr>
           <a:xfrm>
             <a:off x="425197" y="415650"/>
-            <a:ext cx="183302" cy="1"/>
+            <a:ext cx="183303" cy="2"/>
           </a:xfrm>
           <a:prstGeom prst="line">
             <a:avLst/>
@@ -3018,7 +2975,7 @@
         <p:spPr>
           <a:xfrm>
             <a:off x="2400250" y="575950"/>
-            <a:ext cx="6321601" cy="635402"/>
+            <a:ext cx="6321601" cy="635403"/>
           </a:xfrm>
           <a:prstGeom prst="rect">
             <a:avLst/>
@@ -3058,7 +3015,7 @@
         <p:spPr>
           <a:xfrm>
             <a:off x="2410111" y="1595776"/>
-            <a:ext cx="6321603" cy="3002402"/>
+            <a:ext cx="6321603" cy="3002403"/>
           </a:xfrm>
           <a:prstGeom prst="rect">
             <a:avLst/>
@@ -3113,8 +3070,8 @@
         </p:nvSpPr>
         <p:spPr>
           <a:xfrm>
-            <a:off x="159380" y="4629606"/>
-            <a:ext cx="8552701" cy="398749"/>
+            <a:off x="159379" y="4629606"/>
+            <a:ext cx="8552703" cy="398747"/>
           </a:xfrm>
           <a:prstGeom prst="rect">
             <a:avLst/>
@@ -3129,7 +3086,7 @@
           </a:extLst>
         </p:spPr>
         <p:txBody>
-          <a:bodyPr lIns="91423" tIns="91423" rIns="91423" bIns="91423">
+          <a:bodyPr lIns="91422" tIns="91422" rIns="91422" bIns="91422">
             <a:spAutoFit/>
           </a:bodyPr>
           <a:lstStyle/>
@@ -3150,17 +3107,10 @@
             </a:r>
             <a:r>
               <a:rPr b="0"/>
-              <a:t>AP CS A</a:t>
-            </a:r>
-            <a:r>
-              <a:rPr b="0"/>
-              <a:t> </a:t>
-            </a:r>
-            <a:r>
-              <a:t>g</a:t>
-            </a:r>
-            <a:r>
-              <a:t>oal: </a:t>
+              <a:t>AP CS A </a:t>
+            </a:r>
+            <a:r>
+              <a:t>goal: </a:t>
             </a:r>
             <a:r>
               <a:rPr b="0"/>
@@ -3178,7 +3128,7 @@
         <p:spPr>
           <a:xfrm>
             <a:off x="7260108" y="39450"/>
-            <a:ext cx="1475384" cy="215901"/>
+            <a:ext cx="1475383" cy="215901"/>
           </a:xfrm>
           <a:prstGeom prst="rect">
             <a:avLst/>
@@ -3196,7 +3146,16 @@
           <a:bodyPr wrap="none" lIns="0" tIns="0" rIns="0" bIns="0">
             <a:spAutoFit/>
           </a:bodyPr>
-          <a:lstStyle/>
+          <a:lstStyle>
+            <a:lvl1pPr>
+              <a:defRPr>
+                <a:latin typeface="+mj-lt"/>
+                <a:ea typeface="+mj-ea"/>
+                <a:cs typeface="+mj-cs"/>
+                <a:sym typeface="Helvetica"/>
+              </a:defRPr>
+            </a:lvl1pPr>
+          </a:lstStyle>
           <a:p>
             <a:pPr/>
             <a:r>
@@ -3291,7 +3250,7 @@
         <p:spPr>
           <a:xfrm>
             <a:off x="2477722" y="415650"/>
-            <a:ext cx="6244203" cy="1"/>
+            <a:ext cx="6244204" cy="2"/>
           </a:xfrm>
           <a:prstGeom prst="line">
             <a:avLst/>
@@ -3319,7 +3278,7 @@
         <p:spPr>
           <a:xfrm>
             <a:off x="2477722" y="4739999"/>
-            <a:ext cx="6244203" cy="1"/>
+            <a:ext cx="6244204" cy="2"/>
           </a:xfrm>
           <a:prstGeom prst="line">
             <a:avLst/>
@@ -3347,7 +3306,7 @@
         <p:spPr>
           <a:xfrm>
             <a:off x="425197" y="415650"/>
-            <a:ext cx="183302" cy="1"/>
+            <a:ext cx="183303" cy="2"/>
           </a:xfrm>
           <a:prstGeom prst="line">
             <a:avLst/>
@@ -3377,7 +3336,7 @@
         <p:spPr>
           <a:xfrm>
             <a:off x="2400250" y="575950"/>
-            <a:ext cx="6321601" cy="635402"/>
+            <a:ext cx="6321601" cy="635403"/>
           </a:xfrm>
           <a:prstGeom prst="rect">
             <a:avLst/>
@@ -3416,8 +3375,8 @@
         </p:nvSpPr>
         <p:spPr>
           <a:xfrm>
-            <a:off x="2400301" y="1602675"/>
-            <a:ext cx="3071403" cy="3002402"/>
+            <a:off x="2400300" y="1602675"/>
+            <a:ext cx="3071404" cy="3002403"/>
           </a:xfrm>
           <a:prstGeom prst="rect">
             <a:avLst/>
@@ -3490,7 +3449,7 @@
         <p:spPr>
           <a:xfrm>
             <a:off x="5650572" y="1602675"/>
-            <a:ext cx="3071402" cy="3002402"/>
+            <a:ext cx="3071403" cy="3002403"/>
           </a:xfrm>
           <a:prstGeom prst="rect">
             <a:avLst/>
@@ -3500,7 +3459,7 @@
           <a:bodyPr/>
           <a:lstStyle/>
           <a:p>
-            <a:pPr algn="l"/>
+            <a:pPr/>
           </a:p>
         </p:txBody>
       </p:sp>
@@ -3592,7 +3551,7 @@
         <p:spPr>
           <a:xfrm>
             <a:off x="303299" y="411575"/>
-            <a:ext cx="8520602" cy="639602"/>
+            <a:ext cx="8520602" cy="639603"/>
           </a:xfrm>
           <a:prstGeom prst="rect">
             <a:avLst/>
@@ -3707,7 +3666,7 @@
         <p:spPr>
           <a:xfrm>
             <a:off x="425197" y="415650"/>
-            <a:ext cx="183302" cy="1"/>
+            <a:ext cx="183303" cy="2"/>
           </a:xfrm>
           <a:prstGeom prst="line">
             <a:avLst/>
@@ -3737,7 +3696,7 @@
         <p:spPr>
           <a:xfrm>
             <a:off x="319499" y="936600"/>
-            <a:ext cx="2808002" cy="755700"/>
+            <a:ext cx="2808003" cy="755700"/>
           </a:xfrm>
           <a:prstGeom prst="rect">
             <a:avLst/>
@@ -3777,7 +3736,7 @@
         <p:spPr>
           <a:xfrm>
             <a:off x="319499" y="1846802"/>
-            <a:ext cx="2808002" cy="2806202"/>
+            <a:ext cx="2808003" cy="2806202"/>
           </a:xfrm>
           <a:prstGeom prst="rect">
             <a:avLst/>
@@ -3932,7 +3891,7 @@
         <p:spPr>
           <a:xfrm>
             <a:off x="425197" y="415650"/>
-            <a:ext cx="183302" cy="1"/>
+            <a:ext cx="183303" cy="2"/>
           </a:xfrm>
           <a:prstGeom prst="line">
             <a:avLst/>
@@ -4084,8 +4043,8 @@
         </p:nvSpPr>
         <p:spPr>
           <a:xfrm>
-            <a:off x="4572000" y="123"/>
-            <a:ext cx="4572000" cy="5143503"/>
+            <a:off x="4572000" y="122"/>
+            <a:ext cx="4572000" cy="5143505"/>
           </a:xfrm>
           <a:prstGeom prst="rect">
             <a:avLst/>
@@ -4106,10 +4065,6 @@
                 <a:solidFill>
                   <a:srgbClr val="000000"/>
                 </a:solidFill>
-                <a:latin typeface="+mn-lt"/>
-                <a:ea typeface="+mn-ea"/>
-                <a:cs typeface="+mn-cs"/>
-                <a:sym typeface="Arial"/>
               </a:defRPr>
             </a:pPr>
           </a:p>
@@ -4123,8 +4078,8 @@
         </p:nvSpPr>
         <p:spPr>
           <a:xfrm>
-            <a:off x="5029675" y="4495499"/>
-            <a:ext cx="468302" cy="2"/>
+            <a:off x="5029675" y="4495498"/>
+            <a:ext cx="468303" cy="3"/>
           </a:xfrm>
           <a:prstGeom prst="line">
             <a:avLst/>
@@ -4154,7 +4109,7 @@
         <p:spPr>
           <a:xfrm>
             <a:off x="265500" y="1397349"/>
-            <a:ext cx="4045200" cy="1318202"/>
+            <a:ext cx="4045200" cy="1318203"/>
           </a:xfrm>
           <a:prstGeom prst="rect">
             <a:avLst/>
@@ -4191,7 +4146,7 @@
         <p:spPr>
           <a:xfrm>
             <a:off x="265500" y="2735371"/>
-            <a:ext cx="4045200" cy="1345502"/>
+            <a:ext cx="4045200" cy="1345503"/>
           </a:xfrm>
           <a:prstGeom prst="rect">
             <a:avLst/>
@@ -4200,7 +4155,7 @@
         <p:txBody>
           <a:bodyPr/>
           <a:lstStyle>
-            <a:lvl1pPr marL="228600" indent="-114300">
+            <a:lvl1pPr marL="114300" indent="0">
               <a:lnSpc>
                 <a:spcPct val="100000"/>
               </a:lnSpc>
@@ -4210,7 +4165,7 @@
               <a:buNone/>
               <a:defRPr sz="2100"/>
             </a:lvl1pPr>
-            <a:lvl2pPr marL="228600" indent="114300">
+            <a:lvl2pPr marL="114300" indent="114300">
               <a:lnSpc>
                 <a:spcPct val="100000"/>
               </a:lnSpc>
@@ -4220,7 +4175,7 @@
               <a:buNone/>
               <a:defRPr sz="2100"/>
             </a:lvl2pPr>
-            <a:lvl3pPr marL="228600" indent="114300">
+            <a:lvl3pPr marL="114300" indent="114300">
               <a:lnSpc>
                 <a:spcPct val="100000"/>
               </a:lnSpc>
@@ -4230,7 +4185,7 @@
               <a:buNone/>
               <a:defRPr sz="2100"/>
             </a:lvl3pPr>
-            <a:lvl4pPr marL="228600" indent="114300">
+            <a:lvl4pPr marL="114300" indent="114300">
               <a:lnSpc>
                 <a:spcPct val="100000"/>
               </a:lnSpc>
@@ -4240,7 +4195,7 @@
               <a:buNone/>
               <a:defRPr sz="2100"/>
             </a:lvl4pPr>
-            <a:lvl5pPr marL="228600" indent="114300">
+            <a:lvl5pPr marL="114300" indent="114300">
               <a:lnSpc>
                 <a:spcPct val="100000"/>
               </a:lnSpc>
@@ -4304,7 +4259,7 @@
           <a:bodyPr anchor="ctr"/>
           <a:lstStyle/>
           <a:p>
-            <a:pPr algn="l"/>
+            <a:pPr/>
           </a:p>
         </p:txBody>
       </p:sp>
@@ -4402,7 +4357,7 @@
         <p:spPr>
           <a:xfrm>
             <a:off x="425200" y="4739999"/>
-            <a:ext cx="8296800" cy="1"/>
+            <a:ext cx="8296801" cy="2"/>
           </a:xfrm>
           <a:prstGeom prst="line">
             <a:avLst/>
@@ -4430,7 +4385,7 @@
         <p:spPr>
           <a:xfrm>
             <a:off x="425197" y="415650"/>
-            <a:ext cx="183302" cy="1"/>
+            <a:ext cx="183303" cy="2"/>
           </a:xfrm>
           <a:prstGeom prst="line">
             <a:avLst/>
@@ -4460,7 +4415,7 @@
         <p:spPr>
           <a:xfrm>
             <a:off x="328016" y="4226023"/>
-            <a:ext cx="8388602" cy="393602"/>
+            <a:ext cx="8388602" cy="393603"/>
           </a:xfrm>
           <a:prstGeom prst="rect">
             <a:avLst/>
@@ -4478,28 +4433,28 @@
               <a:buFontTx/>
               <a:buNone/>
             </a:lvl1pPr>
-            <a:lvl2pPr algn="l">
+            <a:lvl2pPr marL="1233714" indent="-408213" algn="l">
               <a:lnSpc>
                 <a:spcPct val="100000"/>
               </a:lnSpc>
               <a:buClrTx/>
               <a:buFontTx/>
             </a:lvl2pPr>
-            <a:lvl3pPr algn="l">
+            <a:lvl3pPr marL="1690914" algn="l">
               <a:lnSpc>
                 <a:spcPct val="100000"/>
               </a:lnSpc>
               <a:buClrTx/>
               <a:buFontTx/>
             </a:lvl3pPr>
-            <a:lvl4pPr algn="l">
+            <a:lvl4pPr marL="2148114" algn="l">
               <a:lnSpc>
                 <a:spcPct val="100000"/>
               </a:lnSpc>
               <a:buClrTx/>
               <a:buFontTx/>
             </a:lvl4pPr>
-            <a:lvl5pPr algn="l">
+            <a:lvl5pPr marL="2605314" algn="l">
               <a:lnSpc>
                 <a:spcPct val="100000"/>
               </a:lnSpc>
@@ -4632,7 +4587,7 @@
         <p:spPr>
           <a:xfrm>
             <a:off x="425200" y="4739999"/>
-            <a:ext cx="8296800" cy="1"/>
+            <a:ext cx="8296801" cy="2"/>
           </a:xfrm>
           <a:prstGeom prst="line">
             <a:avLst/>
@@ -4660,7 +4615,7 @@
         <p:spPr>
           <a:xfrm>
             <a:off x="425200" y="415650"/>
-            <a:ext cx="8296800" cy="1"/>
+            <a:ext cx="8296801" cy="2"/>
           </a:xfrm>
           <a:prstGeom prst="line">
             <a:avLst/>
@@ -4705,7 +4660,7 @@
           </a:extLst>
         </p:spPr>
         <p:txBody>
-          <a:bodyPr lIns="91423" tIns="91423" rIns="91423" bIns="91423" anchor="ctr">
+          <a:bodyPr lIns="91422" tIns="91422" rIns="91422" bIns="91422" anchor="ctr">
             <a:normAutofit fontScale="100000" lnSpcReduction="0"/>
           </a:bodyPr>
           <a:lstStyle/>
@@ -4728,7 +4683,7 @@
         <p:spPr>
           <a:xfrm>
             <a:off x="853950" y="2919450"/>
-            <a:ext cx="7436102" cy="1071602"/>
+            <a:ext cx="7436102" cy="1071603"/>
           </a:xfrm>
           <a:prstGeom prst="rect">
             <a:avLst/>
@@ -4743,7 +4698,7 @@
           </a:extLst>
         </p:spPr>
         <p:txBody>
-          <a:bodyPr lIns="91423" tIns="91423" rIns="91423" bIns="91423">
+          <a:bodyPr lIns="91422" tIns="91422" rIns="91422" bIns="91422">
             <a:normAutofit fontScale="100000" lnSpcReduction="0"/>
           </a:bodyPr>
           <a:lstStyle/>
@@ -4789,8 +4744,8 @@
         </p:nvSpPr>
         <p:spPr>
           <a:xfrm>
-            <a:off x="8709888" y="4717935"/>
-            <a:ext cx="336811" cy="335249"/>
+            <a:off x="8709890" y="4717936"/>
+            <a:ext cx="336809" cy="335247"/>
           </a:xfrm>
           <a:prstGeom prst="rect">
             <a:avLst/>
@@ -4800,7 +4755,7 @@
           </a:ln>
         </p:spPr>
         <p:txBody>
-          <a:bodyPr wrap="none" lIns="91423" tIns="91423" rIns="91423" bIns="91423" anchor="ctr">
+          <a:bodyPr wrap="none" lIns="91422" tIns="91422" rIns="91422" bIns="91422" anchor="ctr">
             <a:normAutofit fontScale="100000" lnSpcReduction="0"/>
           </a:bodyPr>
           <a:lstStyle>
@@ -5600,8 +5555,8 @@
         </p:nvSpPr>
         <p:spPr>
           <a:xfrm>
-            <a:off x="2371725" y="630223"/>
-            <a:ext cx="6331500" cy="1542003"/>
+            <a:off x="2371725" y="630222"/>
+            <a:ext cx="6331500" cy="1542005"/>
           </a:xfrm>
           <a:prstGeom prst="rect">
             <a:avLst/>
@@ -5645,6 +5600,10 @@
           </p:nvPr>
         </p:nvSpPr>
         <p:spPr>
+          <a:xfrm>
+            <a:off x="2390267" y="3238450"/>
+            <a:ext cx="6331503" cy="1241700"/>
+          </a:xfrm>
           <a:prstGeom prst="rect">
             <a:avLst/>
           </a:prstGeom>
@@ -5653,7 +5612,7 @@
           <a:bodyPr/>
           <a:lstStyle/>
           <a:p>
-            <a:pPr marL="0" indent="0">
+            <a:pPr marL="0">
               <a:lnSpc>
                 <a:spcPct val="80000"/>
               </a:lnSpc>
@@ -5664,21 +5623,18 @@
             </a:r>
           </a:p>
           <a:p>
-            <a:pPr marL="0" indent="0">
+            <a:pPr marL="0">
               <a:lnSpc>
                 <a:spcPct val="80000"/>
               </a:lnSpc>
               <a:defRPr sz="1600"/>
             </a:pPr>
             <a:r>
-              <a:t>Herbert H. </a:t>
-            </a:r>
-            <a:r>
-              <a:t>Lehman High School</a:t>
-            </a:r>
-          </a:p>
-          <a:p>
-            <a:pPr marL="0" indent="0">
+              <a:t>Herbert H. Lehman High School</a:t>
+            </a:r>
+          </a:p>
+          <a:p>
+            <a:pPr marL="0">
               <a:lnSpc>
                 <a:spcPct val="80000"/>
               </a:lnSpc>
@@ -5727,7 +5683,7 @@
         <p:spPr>
           <a:xfrm>
             <a:off x="1424035" y="575950"/>
-            <a:ext cx="7302729" cy="939691"/>
+            <a:ext cx="7302728" cy="939692"/>
           </a:xfrm>
           <a:prstGeom prst="rect">
             <a:avLst/>
@@ -5737,7 +5693,7 @@
           </a:solidFill>
         </p:spPr>
         <p:txBody>
-          <a:bodyPr lIns="91422" tIns="91422" rIns="91422" bIns="91422"/>
+          <a:bodyPr lIns="91421" tIns="91421" rIns="91421" bIns="91421"/>
           <a:lstStyle>
             <a:lvl1pPr defTabSz="813816">
               <a:defRPr b="0" sz="2100">
@@ -5767,7 +5723,7 @@
         </p:nvSpPr>
         <p:spPr>
           <a:xfrm>
-            <a:off x="1254450" y="2002604"/>
+            <a:off x="1254450" y="2002603"/>
             <a:ext cx="7377170" cy="1066603"/>
           </a:xfrm>
           <a:prstGeom prst="rect">
@@ -5921,6 +5877,10 @@
           </p:nvPr>
         </p:nvSpPr>
         <p:spPr>
+          <a:xfrm>
+            <a:off x="2400250" y="575950"/>
+            <a:ext cx="6321601" cy="635403"/>
+          </a:xfrm>
           <a:prstGeom prst="rect">
             <a:avLst/>
           </a:prstGeom>
@@ -5929,8 +5889,8 @@
           <a:bodyPr/>
           <a:lstStyle/>
           <a:p>
-            <a:pPr defTabSz="886968">
-              <a:defRPr sz="2910"/>
+            <a:pPr defTabSz="886967">
+              <a:defRPr sz="2900"/>
             </a:pPr>
           </a:p>
         </p:txBody>
@@ -5944,6 +5904,10 @@
           </p:nvPr>
         </p:nvSpPr>
         <p:spPr>
+          <a:xfrm>
+            <a:off x="2410110" y="1595776"/>
+            <a:ext cx="6321605" cy="3002403"/>
+          </a:xfrm>
           <a:prstGeom prst="rect">
             <a:avLst/>
           </a:prstGeom>
@@ -5964,10 +5928,10 @@
         </p:nvGrpSpPr>
         <p:grpSpPr>
           <a:xfrm>
-            <a:off x="4138002" y="1037938"/>
-            <a:ext cx="4070437" cy="2988430"/>
-            <a:chOff x="0" y="0"/>
-            <a:chExt cx="4070436" cy="2988429"/>
+            <a:off x="4138001" y="1037936"/>
+            <a:ext cx="4070439" cy="2988434"/>
+            <a:chOff x="0" y="-1"/>
+            <a:chExt cx="4070437" cy="2988432"/>
           </a:xfrm>
         </p:grpSpPr>
         <p:sp>
@@ -5978,8 +5942,8 @@
           </p:nvSpPr>
           <p:spPr>
             <a:xfrm>
-              <a:off x="-1" y="-1"/>
-              <a:ext cx="4070438" cy="2988431"/>
+              <a:off x="-1" y="-2"/>
+              <a:ext cx="4070439" cy="2988434"/>
             </a:xfrm>
             <a:prstGeom prst="rect">
               <a:avLst/>
@@ -6025,8 +5989,8 @@
           </p:nvSpPr>
           <p:spPr>
             <a:xfrm>
-              <a:off x="12699" y="12699"/>
-              <a:ext cx="4045038" cy="2963031"/>
+              <a:off x="12699" y="12698"/>
+              <a:ext cx="4045039" cy="2963034"/>
             </a:xfrm>
             <a:prstGeom prst="rect">
               <a:avLst/>
@@ -6044,7 +6008,7 @@
             </a:extLst>
           </p:spPr>
           <p:txBody>
-            <a:bodyPr wrap="square" lIns="91422" tIns="91422" rIns="91422" bIns="91422" numCol="1" anchor="t">
+            <a:bodyPr wrap="square" lIns="91421" tIns="91421" rIns="91421" bIns="91421" numCol="1" anchor="t">
               <a:normAutofit fontScale="100000" lnSpcReduction="0"/>
             </a:bodyPr>
             <a:lstStyle/>
@@ -6093,13 +6057,8 @@
               </a:r>
               <a:r>
                 <a:rPr b="0"/>
-                <a:t> </a:t>
+                <a:t> represent collections of related data using ArrayLists</a:t>
               </a:r>
-              <a:r>
-                <a:rPr b="0"/>
-                <a:t>represent collections of related data using ArrayLists</a:t>
-              </a:r>
-              <a:endParaRPr b="0"/>
             </a:p>
             <a:p>
               <a:pPr marL="434340" indent="-325754" defTabSz="868680">
@@ -6303,6 +6262,10 @@
           </p:nvPr>
         </p:nvSpPr>
         <p:spPr>
+          <a:xfrm>
+            <a:off x="2400250" y="575950"/>
+            <a:ext cx="6321601" cy="635403"/>
+          </a:xfrm>
           <a:prstGeom prst="rect">
             <a:avLst/>
           </a:prstGeom>
@@ -6310,8 +6273,8 @@
         <p:txBody>
           <a:bodyPr/>
           <a:lstStyle>
-            <a:lvl1pPr defTabSz="886968">
-              <a:defRPr sz="2910"/>
+            <a:lvl1pPr defTabSz="886967">
+              <a:defRPr sz="2900"/>
             </a:lvl1pPr>
           </a:lstStyle>
           <a:p>
@@ -6331,7 +6294,7 @@
         <p:spPr>
           <a:xfrm>
             <a:off x="2448193" y="1645901"/>
-            <a:ext cx="1929728" cy="1282701"/>
+            <a:ext cx="1929728" cy="1066801"/>
           </a:xfrm>
           <a:prstGeom prst="rect">
             <a:avLst/>
@@ -6372,6 +6335,10 @@
                 <a:solidFill>
                   <a:srgbClr val="FF6A00"/>
                 </a:solidFill>
+                <a:latin typeface="+mj-lt"/>
+                <a:ea typeface="+mj-ea"/>
+                <a:cs typeface="+mj-cs"/>
+                <a:sym typeface="Helvetica"/>
               </a:defRPr>
             </a:pPr>
             <a:r>
@@ -6492,6 +6459,10 @@
           </p:nvPr>
         </p:nvSpPr>
         <p:spPr>
+          <a:xfrm>
+            <a:off x="2400250" y="575950"/>
+            <a:ext cx="6321601" cy="635403"/>
+          </a:xfrm>
           <a:prstGeom prst="rect">
             <a:avLst/>
           </a:prstGeom>
@@ -6499,8 +6470,8 @@
         <p:txBody>
           <a:bodyPr/>
           <a:lstStyle>
-            <a:lvl1pPr defTabSz="886968">
-              <a:defRPr sz="2910"/>
+            <a:lvl1pPr defTabSz="886967">
+              <a:defRPr sz="2900"/>
             </a:lvl1pPr>
           </a:lstStyle>
           <a:p>
@@ -6519,8 +6490,8 @@
         </p:nvSpPr>
         <p:spPr>
           <a:xfrm>
-            <a:off x="1759322" y="1910654"/>
-            <a:ext cx="5625356" cy="558801"/>
+            <a:off x="1759321" y="1910653"/>
+            <a:ext cx="5625358" cy="558801"/>
           </a:xfrm>
           <a:prstGeom prst="rect">
             <a:avLst/>
@@ -6545,6 +6516,10 @@
                 <a:solidFill>
                   <a:schemeClr val="accent5"/>
                 </a:solidFill>
+                <a:latin typeface="+mj-lt"/>
+                <a:ea typeface="+mj-ea"/>
+                <a:cs typeface="+mj-cs"/>
+                <a:sym typeface="Helvetica"/>
               </a:defRPr>
             </a:pPr>
             <a:r>
@@ -6617,8 +6592,8 @@
         </p:blipFill>
         <p:spPr>
           <a:xfrm>
-            <a:off x="1845505" y="1784398"/>
-            <a:ext cx="4780687" cy="2595230"/>
+            <a:off x="1845504" y="1784398"/>
+            <a:ext cx="4780688" cy="2595231"/>
           </a:xfrm>
           <a:prstGeom prst="rect">
             <a:avLst/>
@@ -6636,10 +6611,10 @@
         </p:nvGrpSpPr>
         <p:grpSpPr>
           <a:xfrm>
-            <a:off x="1781657" y="620249"/>
-            <a:ext cx="6244203" cy="914171"/>
+            <a:off x="1781655" y="620249"/>
+            <a:ext cx="6244207" cy="914173"/>
             <a:chOff x="-1" y="0"/>
-            <a:chExt cx="6244202" cy="914170"/>
+            <a:chExt cx="6244206" cy="914172"/>
           </a:xfrm>
         </p:grpSpPr>
         <p:sp>
@@ -6651,7 +6626,7 @@
           <p:spPr>
             <a:xfrm>
               <a:off x="-2" y="0"/>
-              <a:ext cx="5574802" cy="914171"/>
+              <a:ext cx="5574804" cy="914173"/>
             </a:xfrm>
             <a:prstGeom prst="rect">
               <a:avLst/>
@@ -6677,6 +6652,10 @@
                   <a:solidFill>
                     <a:schemeClr val="accent5"/>
                   </a:solidFill>
+                  <a:latin typeface="+mj-lt"/>
+                  <a:ea typeface="+mj-ea"/>
+                  <a:cs typeface="+mj-cs"/>
+                  <a:sym typeface="Helvetica"/>
                 </a:defRPr>
               </a:pPr>
             </a:p>
@@ -6690,10 +6669,10 @@
           </p:nvGrpSpPr>
           <p:grpSpPr>
             <a:xfrm>
-              <a:off x="11594" y="11594"/>
-              <a:ext cx="6232608" cy="890981"/>
-              <a:chOff x="-1" y="-1"/>
-              <a:chExt cx="6232606" cy="890979"/>
+              <a:off x="11593" y="11592"/>
+              <a:ext cx="6232612" cy="890985"/>
+              <a:chOff x="0" y="-1"/>
+              <a:chExt cx="6232611" cy="890983"/>
             </a:xfrm>
           </p:grpSpPr>
           <p:sp>
@@ -6704,8 +6683,8 @@
             </p:nvSpPr>
             <p:spPr>
               <a:xfrm>
-                <a:off x="-2" y="-2"/>
-                <a:ext cx="6232608" cy="890981"/>
+                <a:off x="-1" y="-2"/>
+                <a:ext cx="6232612" cy="890985"/>
               </a:xfrm>
               <a:prstGeom prst="rect">
                 <a:avLst/>
@@ -6733,6 +6712,10 @@
                     <a:solidFill>
                       <a:schemeClr val="accent5"/>
                     </a:solidFill>
+                    <a:latin typeface="+mj-lt"/>
+                    <a:ea typeface="+mj-ea"/>
+                    <a:cs typeface="+mj-cs"/>
+                    <a:sym typeface="Helvetica"/>
                   </a:defRPr>
                 </a:pPr>
               </a:p>
@@ -6746,8 +6729,8 @@
             </p:nvSpPr>
             <p:spPr>
               <a:xfrm>
-                <a:off x="15569" y="15569"/>
-                <a:ext cx="6201466" cy="859839"/>
+                <a:off x="15569" y="15570"/>
+                <a:ext cx="6201471" cy="859843"/>
               </a:xfrm>
               <a:prstGeom prst="rect">
                 <a:avLst/>
@@ -6771,12 +6754,7 @@
               <a:lstStyle/>
               <a:p>
                 <a:pPr defTabSz="507148">
-                  <a:defRPr sz="2000">
-                    <a:latin typeface="+mn-lt"/>
-                    <a:ea typeface="+mn-ea"/>
-                    <a:cs typeface="+mn-cs"/>
-                    <a:sym typeface="Arial"/>
-                  </a:defRPr>
+                  <a:defRPr sz="2000"/>
                 </a:pPr>
                 <a:r>
                   <a:t>Independent work</a:t>
@@ -6788,6 +6766,10 @@
                     <a:solidFill>
                       <a:schemeClr val="accent5"/>
                     </a:solidFill>
+                    <a:latin typeface="+mj-lt"/>
+                    <a:ea typeface="+mj-ea"/>
+                    <a:cs typeface="+mj-cs"/>
+                    <a:sym typeface="Helvetica"/>
                   </a:defRPr>
                 </a:pPr>
                 <a:r>
@@ -6851,6 +6833,10 @@
           </p:nvPr>
         </p:nvSpPr>
         <p:spPr>
+          <a:xfrm>
+            <a:off x="2400250" y="575950"/>
+            <a:ext cx="6321601" cy="635403"/>
+          </a:xfrm>
           <a:prstGeom prst="rect">
             <a:avLst/>
           </a:prstGeom>
@@ -6859,8 +6845,8 @@
           <a:bodyPr/>
           <a:lstStyle/>
           <a:p>
-            <a:pPr defTabSz="886968">
-              <a:defRPr sz="2910"/>
+            <a:pPr defTabSz="886967">
+              <a:defRPr sz="2900"/>
             </a:pPr>
           </a:p>
         </p:txBody>
@@ -6873,8 +6859,8 @@
         </p:nvSpPr>
         <p:spPr>
           <a:xfrm>
-            <a:off x="778973" y="1600200"/>
-            <a:ext cx="3278433" cy="1524025"/>
+            <a:off x="778972" y="1600200"/>
+            <a:ext cx="3278434" cy="1524025"/>
           </a:xfrm>
           <a:prstGeom prst="rect">
             <a:avLst/>
@@ -6894,9 +6880,15 @@
           </a:bodyPr>
           <a:lstStyle/>
           <a:p>
-            <a:pPr marL="187157" indent="-187157">
+            <a:pPr marL="187156" indent="-187156">
               <a:buSzPct val="100000"/>
               <a:buAutoNum type="arabicPeriod" startAt="1"/>
+              <a:defRPr>
+                <a:latin typeface="+mj-lt"/>
+                <a:ea typeface="+mj-ea"/>
+                <a:cs typeface="+mj-cs"/>
+                <a:sym typeface="Helvetica"/>
+              </a:defRPr>
             </a:pPr>
             <a:r>
               <a:t>How would you add the double 75.6 to the end of an ArrayList of Doubles named </a:t>
@@ -6918,18 +6910,30 @@
             </a:r>
           </a:p>
           <a:p>
-            <a:pPr marL="187157" indent="-187157">
+            <a:pPr marL="187156" indent="-187156">
               <a:buSzPct val="100000"/>
               <a:buAutoNum type="arabicPeriod" startAt="1"/>
+              <a:defRPr>
+                <a:latin typeface="+mj-lt"/>
+                <a:ea typeface="+mj-ea"/>
+                <a:cs typeface="+mj-cs"/>
+                <a:sym typeface="Helvetica"/>
+              </a:defRPr>
             </a:pPr>
             <a:r>
               <a:t>How do you create an ArrayList of integers?</a:t>
             </a:r>
           </a:p>
           <a:p>
-            <a:pPr marL="187157" indent="-187157">
+            <a:pPr marL="187156" indent="-187156">
               <a:buSzPct val="100000"/>
               <a:buAutoNum type="arabicPeriod" startAt="1"/>
+              <a:defRPr>
+                <a:latin typeface="+mj-lt"/>
+                <a:ea typeface="+mj-ea"/>
+                <a:cs typeface="+mj-cs"/>
+                <a:sym typeface="Helvetica"/>
+              </a:defRPr>
             </a:pPr>
             <a:r>
               <a:t> What must be done before using ArrayLists? </a:t>
@@ -6955,8 +6959,8 @@
         </p:blipFill>
         <p:spPr>
           <a:xfrm>
-            <a:off x="4616052" y="1554712"/>
-            <a:ext cx="3053022" cy="2034076"/>
+            <a:off x="4616051" y="1554711"/>
+            <a:ext cx="3053023" cy="2034078"/>
           </a:xfrm>
           <a:prstGeom prst="rect">
             <a:avLst/>
@@ -6966,86 +6970,144 @@
           </a:ln>
         </p:spPr>
       </p:pic>
-      <p:sp>
-        <p:nvSpPr>
-          <p:cNvPr id="220" name="Reflection: Thinking about thinking…"/>
-          <p:cNvSpPr txBox="1"/>
+      <p:grpSp>
+        <p:nvGrpSpPr>
+          <p:cNvPr id="222" name="Reflection: Thinking about thinking…"/>
+          <p:cNvGrpSpPr/>
           <p:nvPr/>
-        </p:nvSpPr>
-        <p:spPr>
+        </p:nvGrpSpPr>
+        <p:grpSpPr>
           <a:xfrm>
             <a:off x="1404467" y="357128"/>
-            <a:ext cx="7302728" cy="939691"/>
-          </a:xfrm>
-          <a:prstGeom prst="rect">
-            <a:avLst/>
-          </a:prstGeom>
-          <a:solidFill>
-            <a:srgbClr val="FFFFFF"/>
-          </a:solidFill>
-          <a:ln w="25400">
+            <a:ext cx="7302728" cy="939692"/>
+            <a:chOff x="0" y="0"/>
+            <a:chExt cx="7302727" cy="939690"/>
+          </a:xfrm>
+        </p:grpSpPr>
+        <p:sp>
+          <p:nvSpPr>
+            <p:cNvPr id="220" name="Rectangle"/>
+            <p:cNvSpPr/>
+            <p:nvPr/>
+          </p:nvSpPr>
+          <p:spPr>
+            <a:xfrm>
+              <a:off x="0" y="0"/>
+              <a:ext cx="7302728" cy="939691"/>
+            </a:xfrm>
+            <a:prstGeom prst="rect">
+              <a:avLst/>
+            </a:prstGeom>
             <a:solidFill>
-              <a:schemeClr val="accent1"/>
+              <a:srgbClr val="FFFFFF"/>
             </a:solidFill>
-          </a:ln>
-          <a:extLst>
-            <a:ext uri="{C572A759-6A51-4108-AA02-DFA0A04FC94B}">
-              <ma14:wrappingTextBoxFlag xmlns:ma14="http://schemas.microsoft.com/office/mac/drawingml/2011/main" val="1"/>
-            </a:ext>
-          </a:extLst>
-        </p:spPr>
-        <p:txBody>
-          <a:bodyPr lIns="91422" tIns="91422" rIns="91422" bIns="91422">
-            <a:normAutofit fontScale="100000" lnSpcReduction="0"/>
-          </a:bodyPr>
-          <a:lstStyle/>
-          <a:p>
-            <a:pPr defTabSz="813816">
-              <a:defRPr sz="2100">
-                <a:latin typeface="+mn-lt"/>
-                <a:ea typeface="+mn-ea"/>
-                <a:cs typeface="+mn-cs"/>
-                <a:sym typeface="Arial"/>
-              </a:defRPr>
-            </a:pPr>
-            <a:r>
-              <a:t>Reflection: Thinking about thinking</a:t>
-            </a:r>
-          </a:p>
-          <a:p>
-            <a:pPr defTabSz="813816">
-              <a:defRPr sz="1200">
-                <a:solidFill>
-                  <a:schemeClr val="accent5"/>
-                </a:solidFill>
-              </a:defRPr>
-            </a:pPr>
-            <a:r>
-              <a:t>be sure to:</a:t>
-            </a:r>
-            <a:r>
-              <a:rPr>
-                <a:solidFill>
-                  <a:schemeClr val="accent5">
-                    <a:lumOff val="-9843"/>
-                  </a:schemeClr>
-                </a:solidFill>
-              </a:rPr>
-              <a:t> </a:t>
-            </a:r>
-            <a:r>
-              <a:rPr>
-                <a:solidFill>
-                  <a:schemeClr val="accent3">
-                    <a:lumOff val="-9098"/>
-                  </a:schemeClr>
-                </a:solidFill>
-              </a:rPr>
-              <a:t>Answer each question below with a complete sentence. Be prepared to share out!</a:t>
-            </a:r>
-          </a:p>
-        </p:txBody>
-      </p:sp>
+            <a:ln w="25400" cap="flat">
+              <a:solidFill>
+                <a:schemeClr val="accent1"/>
+              </a:solidFill>
+              <a:prstDash val="solid"/>
+              <a:round/>
+            </a:ln>
+            <a:effectLst/>
+          </p:spPr>
+          <p:txBody>
+            <a:bodyPr wrap="square" lIns="0" tIns="0" rIns="0" bIns="0" numCol="1" anchor="t">
+              <a:noAutofit/>
+            </a:bodyPr>
+            <a:lstStyle/>
+            <a:p>
+              <a:pPr defTabSz="813816">
+                <a:defRPr sz="1200">
+                  <a:solidFill>
+                    <a:schemeClr val="accent5"/>
+                  </a:solidFill>
+                  <a:latin typeface="+mj-lt"/>
+                  <a:ea typeface="+mj-ea"/>
+                  <a:cs typeface="+mj-cs"/>
+                  <a:sym typeface="Helvetica"/>
+                </a:defRPr>
+              </a:pPr>
+            </a:p>
+          </p:txBody>
+        </p:sp>
+        <p:sp>
+          <p:nvSpPr>
+            <p:cNvPr id="221" name="Reflection: Thinking about thinking…"/>
+            <p:cNvSpPr txBox="1"/>
+            <p:nvPr/>
+          </p:nvSpPr>
+          <p:spPr>
+            <a:xfrm>
+              <a:off x="12700" y="12700"/>
+              <a:ext cx="7277328" cy="914291"/>
+            </a:xfrm>
+            <a:prstGeom prst="rect">
+              <a:avLst/>
+            </a:prstGeom>
+            <a:noFill/>
+            <a:ln w="12700" cap="flat">
+              <a:noFill/>
+              <a:miter lim="400000"/>
+            </a:ln>
+            <a:effectLst/>
+            <a:extLst>
+              <a:ext uri="{C572A759-6A51-4108-AA02-DFA0A04FC94B}">
+                <ma14:wrappingTextBoxFlag xmlns:ma14="http://schemas.microsoft.com/office/mac/drawingml/2011/main" val="1"/>
+              </a:ext>
+            </a:extLst>
+          </p:spPr>
+          <p:txBody>
+            <a:bodyPr wrap="square" lIns="91421" tIns="91421" rIns="91421" bIns="91421" numCol="1" anchor="t">
+              <a:normAutofit fontScale="100000" lnSpcReduction="0"/>
+            </a:bodyPr>
+            <a:lstStyle/>
+            <a:p>
+              <a:pPr defTabSz="813816">
+                <a:defRPr sz="2100"/>
+              </a:pPr>
+              <a:r>
+                <a:t>Reflection: Thinking about thinking</a:t>
+              </a:r>
+            </a:p>
+            <a:p>
+              <a:pPr defTabSz="813816">
+                <a:defRPr sz="1200">
+                  <a:solidFill>
+                    <a:schemeClr val="accent5"/>
+                  </a:solidFill>
+                  <a:latin typeface="+mj-lt"/>
+                  <a:ea typeface="+mj-ea"/>
+                  <a:cs typeface="+mj-cs"/>
+                  <a:sym typeface="Helvetica"/>
+                </a:defRPr>
+              </a:pPr>
+              <a:r>
+                <a:t>be sure to:</a:t>
+              </a:r>
+              <a:r>
+                <a:rPr>
+                  <a:solidFill>
+                    <a:schemeClr val="accent5">
+                      <a:lumOff val="-9843"/>
+                    </a:schemeClr>
+                  </a:solidFill>
+                </a:rPr>
+                <a:t> </a:t>
+              </a:r>
+              <a:r>
+                <a:rPr>
+                  <a:solidFill>
+                    <a:schemeClr val="accent3">
+                      <a:lumOff val="-9098"/>
+                    </a:schemeClr>
+                  </a:solidFill>
+                </a:rPr>
+                <a:t>Answer each question below with a complete sentence. Be prepared to share out!</a:t>
+              </a:r>
+            </a:p>
+          </p:txBody>
+        </p:sp>
+      </p:grpSp>
     </p:spTree>
   </p:cSld>
   <p:clrMapOvr>
@@ -7133,23 +7195,14 @@
                             </p:childTnLst>
                           </p:cTn>
                         </p:par>
-                      </p:childTnLst>
-                    </p:cTn>
-                  </p:par>
-                  <p:par>
-                    <p:cTn id="9" fill="hold">
-                      <p:stCondLst>
-                        <p:cond delay="indefinite"/>
-                      </p:stCondLst>
-                      <p:childTnLst>
                         <p:par>
-                          <p:cTn id="10" fill="hold">
+                          <p:cTn id="9" fill="hold">
                             <p:stCondLst>
                               <p:cond delay="0"/>
                             </p:stCondLst>
                             <p:childTnLst>
                               <p:par>
-                                <p:cTn id="11" presetClass="entr" nodeType="clickEffect" presetSubtype="0" presetID="1" grpId="1" fill="hold">
+                                <p:cTn id="10" presetClass="entr" nodeType="afterEffect" presetSubtype="0" presetID="1" grpId="1" fill="hold">
                                   <p:stCondLst>
                                     <p:cond delay="0"/>
                                   </p:stCondLst>
@@ -7159,7 +7212,7 @@
                                   <p:childTnLst>
                                     <p:set>
                                       <p:cBhvr>
-                                        <p:cTn id="12" fill="hold"/>
+                                        <p:cTn id="11" fill="hold"/>
                                         <p:tgtEl>
                                           <p:spTgt spid="218">
                                             <p:txEl>
@@ -7185,19 +7238,19 @@
                     </p:cTn>
                   </p:par>
                   <p:par>
-                    <p:cTn id="13" fill="hold">
+                    <p:cTn id="12" fill="hold">
                       <p:stCondLst>
                         <p:cond delay="indefinite"/>
                       </p:stCondLst>
                       <p:childTnLst>
                         <p:par>
-                          <p:cTn id="14" fill="hold">
+                          <p:cTn id="13" fill="hold">
                             <p:stCondLst>
                               <p:cond delay="0"/>
                             </p:stCondLst>
                             <p:childTnLst>
                               <p:par>
-                                <p:cTn id="15" presetClass="entr" nodeType="clickEffect" presetSubtype="0" presetID="1" grpId="1" fill="hold">
+                                <p:cTn id="14" presetClass="entr" nodeType="clickEffect" presetSubtype="0" presetID="1" grpId="1" fill="hold">
                                   <p:stCondLst>
                                     <p:cond delay="0"/>
                                   </p:stCondLst>
@@ -7207,7 +7260,7 @@
                                   <p:childTnLst>
                                     <p:set>
                                       <p:cBhvr>
-                                        <p:cTn id="16" fill="hold"/>
+                                        <p:cTn id="15" fill="hold"/>
                                         <p:tgtEl>
                                           <p:spTgt spid="218">
                                             <p:txEl>
@@ -7491,10 +7544,10 @@
             </a:solidFill>
             <a:effectLst/>
             <a:uFillTx/>
-            <a:latin typeface="+mj-lt"/>
-            <a:ea typeface="+mj-ea"/>
-            <a:cs typeface="+mj-cs"/>
-            <a:sym typeface="Helvetica"/>
+            <a:latin typeface="+mn-lt"/>
+            <a:ea typeface="+mn-ea"/>
+            <a:cs typeface="+mn-cs"/>
+            <a:sym typeface="Arial"/>
           </a:defRPr>
         </a:defPPr>
         <a:lvl1pPr marL="0" marR="0" indent="0" algn="l" defTabSz="914400" rtl="0" fontAlgn="auto" latinLnBrk="1" hangingPunct="0">
@@ -8062,10 +8115,10 @@
             </a:solidFill>
             <a:effectLst/>
             <a:uFillTx/>
-            <a:latin typeface="+mj-lt"/>
-            <a:ea typeface="+mj-ea"/>
-            <a:cs typeface="+mj-cs"/>
-            <a:sym typeface="Helvetica"/>
+            <a:latin typeface="+mn-lt"/>
+            <a:ea typeface="+mn-ea"/>
+            <a:cs typeface="+mn-cs"/>
+            <a:sym typeface="Arial"/>
           </a:defRPr>
         </a:defPPr>
         <a:lvl1pPr marL="0" marR="0" indent="0" algn="l" defTabSz="914400" rtl="0" fontAlgn="auto" latinLnBrk="1" hangingPunct="0">
@@ -8545,10 +8598,10 @@
             </a:solidFill>
             <a:effectLst/>
             <a:uFillTx/>
-            <a:latin typeface="+mj-lt"/>
-            <a:ea typeface="+mj-ea"/>
-            <a:cs typeface="+mj-cs"/>
-            <a:sym typeface="Helvetica"/>
+            <a:latin typeface="+mn-lt"/>
+            <a:ea typeface="+mn-ea"/>
+            <a:cs typeface="+mn-cs"/>
+            <a:sym typeface="Arial"/>
           </a:defRPr>
         </a:defPPr>
         <a:lvl1pPr marL="0" marR="0" indent="0" algn="l" defTabSz="914400" rtl="0" fontAlgn="auto" latinLnBrk="1" hangingPunct="0">
@@ -9116,10 +9169,10 @@
             </a:solidFill>
             <a:effectLst/>
             <a:uFillTx/>
-            <a:latin typeface="+mj-lt"/>
-            <a:ea typeface="+mj-ea"/>
-            <a:cs typeface="+mj-cs"/>
-            <a:sym typeface="Helvetica"/>
+            <a:latin typeface="+mn-lt"/>
+            <a:ea typeface="+mn-ea"/>
+            <a:cs typeface="+mn-cs"/>
+            <a:sym typeface="Arial"/>
           </a:defRPr>
         </a:defPPr>
         <a:lvl1pPr marL="0" marR="0" indent="0" algn="l" defTabSz="914400" rtl="0" fontAlgn="auto" latinLnBrk="1" hangingPunct="0">
